--- a/Præsentation/Eksamen.pptx
+++ b/Præsentation/Eksamen.pptx
@@ -142,8 +142,8 @@
 <pc:chgInfo xmlns:a="http://schemas.openxmlformats.org/drawingml/2006/main" xmlns:r="http://schemas.openxmlformats.org/officeDocument/2006/relationships" xmlns:ac="http://schemas.microsoft.com/office/drawing/2013/main/command" xmlns:pc="http://schemas.microsoft.com/office/powerpoint/2013/main/command">
   <pc:docChgLst>
     <pc:chgData name="bahar1981 abavi" userId="70762cce7dde79f3" providerId="LiveId" clId="{233965B9-6C1D-4B21-838C-909ACEA2E50C}"/>
-    <pc:docChg chg="undo custSel addSld modSld">
-      <pc:chgData name="bahar1981 abavi" userId="70762cce7dde79f3" providerId="LiveId" clId="{233965B9-6C1D-4B21-838C-909ACEA2E50C}" dt="2024-12-11T18:39:52.666" v="95" actId="113"/>
+    <pc:docChg chg="undo custSel addSld delSld modSld">
+      <pc:chgData name="bahar1981 abavi" userId="70762cce7dde79f3" providerId="LiveId" clId="{233965B9-6C1D-4B21-838C-909ACEA2E50C}" dt="2024-12-12T07:40:45.355" v="98" actId="47"/>
       <pc:docMkLst>
         <pc:docMk/>
       </pc:docMkLst>
@@ -269,7 +269,7 @@
         </pc:picChg>
       </pc:sldChg>
       <pc:sldChg chg="addSp delSp modSp mod">
-        <pc:chgData name="bahar1981 abavi" userId="70762cce7dde79f3" providerId="LiveId" clId="{233965B9-6C1D-4B21-838C-909ACEA2E50C}" dt="2024-12-11T18:32:43.415" v="8"/>
+        <pc:chgData name="bahar1981 abavi" userId="70762cce7dde79f3" providerId="LiveId" clId="{233965B9-6C1D-4B21-838C-909ACEA2E50C}" dt="2024-12-12T04:43:09.421" v="96" actId="20577"/>
         <pc:sldMkLst>
           <pc:docMk/>
           <pc:sldMk cId="2115448782" sldId="271"/>
@@ -291,7 +291,7 @@
           </ac:spMkLst>
         </pc:spChg>
         <pc:spChg chg="add mod">
-          <ac:chgData name="bahar1981 abavi" userId="70762cce7dde79f3" providerId="LiveId" clId="{233965B9-6C1D-4B21-838C-909ACEA2E50C}" dt="2024-12-11T18:32:19.692" v="6" actId="1076"/>
+          <ac:chgData name="bahar1981 abavi" userId="70762cce7dde79f3" providerId="LiveId" clId="{233965B9-6C1D-4B21-838C-909ACEA2E50C}" dt="2024-12-12T04:43:09.421" v="96" actId="20577"/>
           <ac:spMkLst>
             <pc:docMk/>
             <pc:sldMk cId="2115448782" sldId="271"/>
@@ -451,6 +451,13 @@
           </ac:picMkLst>
         </pc:picChg>
       </pc:sldChg>
+      <pc:sldChg chg="new del">
+        <pc:chgData name="bahar1981 abavi" userId="70762cce7dde79f3" providerId="LiveId" clId="{233965B9-6C1D-4B21-838C-909ACEA2E50C}" dt="2024-12-12T07:40:45.355" v="98" actId="47"/>
+        <pc:sldMkLst>
+          <pc:docMk/>
+          <pc:sldMk cId="806275893" sldId="280"/>
+        </pc:sldMkLst>
+      </pc:sldChg>
     </pc:docChg>
   </pc:docChgLst>
 </pc:chgInfo>
@@ -603,7 +610,7 @@
           <a:p>
             <a:fld id="{DE62589F-EAE5-4EB7-95E2-1921253EBE7D}" type="datetimeFigureOut">
               <a:rPr lang="da-DK" smtClean="0"/>
-              <a:t>11-12-2024</a:t>
+              <a:t>12-12-2024</a:t>
             </a:fld>
             <a:endParaRPr lang="da-DK"/>
           </a:p>
@@ -801,7 +808,7 @@
           <a:p>
             <a:fld id="{DE62589F-EAE5-4EB7-95E2-1921253EBE7D}" type="datetimeFigureOut">
               <a:rPr lang="da-DK" smtClean="0"/>
-              <a:t>11-12-2024</a:t>
+              <a:t>12-12-2024</a:t>
             </a:fld>
             <a:endParaRPr lang="da-DK"/>
           </a:p>
@@ -1009,7 +1016,7 @@
           <a:p>
             <a:fld id="{DE62589F-EAE5-4EB7-95E2-1921253EBE7D}" type="datetimeFigureOut">
               <a:rPr lang="da-DK" smtClean="0"/>
-              <a:t>11-12-2024</a:t>
+              <a:t>12-12-2024</a:t>
             </a:fld>
             <a:endParaRPr lang="da-DK"/>
           </a:p>
@@ -1207,7 +1214,7 @@
           <a:p>
             <a:fld id="{DE62589F-EAE5-4EB7-95E2-1921253EBE7D}" type="datetimeFigureOut">
               <a:rPr lang="da-DK" smtClean="0"/>
-              <a:t>11-12-2024</a:t>
+              <a:t>12-12-2024</a:t>
             </a:fld>
             <a:endParaRPr lang="da-DK"/>
           </a:p>
@@ -1482,7 +1489,7 @@
           <a:p>
             <a:fld id="{DE62589F-EAE5-4EB7-95E2-1921253EBE7D}" type="datetimeFigureOut">
               <a:rPr lang="da-DK" smtClean="0"/>
-              <a:t>11-12-2024</a:t>
+              <a:t>12-12-2024</a:t>
             </a:fld>
             <a:endParaRPr lang="da-DK"/>
           </a:p>
@@ -1747,7 +1754,7 @@
           <a:p>
             <a:fld id="{DE62589F-EAE5-4EB7-95E2-1921253EBE7D}" type="datetimeFigureOut">
               <a:rPr lang="da-DK" smtClean="0"/>
-              <a:t>11-12-2024</a:t>
+              <a:t>12-12-2024</a:t>
             </a:fld>
             <a:endParaRPr lang="da-DK"/>
           </a:p>
@@ -2159,7 +2166,7 @@
           <a:p>
             <a:fld id="{DE62589F-EAE5-4EB7-95E2-1921253EBE7D}" type="datetimeFigureOut">
               <a:rPr lang="da-DK" smtClean="0"/>
-              <a:t>11-12-2024</a:t>
+              <a:t>12-12-2024</a:t>
             </a:fld>
             <a:endParaRPr lang="da-DK"/>
           </a:p>
@@ -2300,7 +2307,7 @@
           <a:p>
             <a:fld id="{DE62589F-EAE5-4EB7-95E2-1921253EBE7D}" type="datetimeFigureOut">
               <a:rPr lang="da-DK" smtClean="0"/>
-              <a:t>11-12-2024</a:t>
+              <a:t>12-12-2024</a:t>
             </a:fld>
             <a:endParaRPr lang="da-DK"/>
           </a:p>
@@ -2413,7 +2420,7 @@
           <a:p>
             <a:fld id="{DE62589F-EAE5-4EB7-95E2-1921253EBE7D}" type="datetimeFigureOut">
               <a:rPr lang="da-DK" smtClean="0"/>
-              <a:t>11-12-2024</a:t>
+              <a:t>12-12-2024</a:t>
             </a:fld>
             <a:endParaRPr lang="da-DK"/>
           </a:p>
@@ -2724,7 +2731,7 @@
           <a:p>
             <a:fld id="{DE62589F-EAE5-4EB7-95E2-1921253EBE7D}" type="datetimeFigureOut">
               <a:rPr lang="da-DK" smtClean="0"/>
-              <a:t>11-12-2024</a:t>
+              <a:t>12-12-2024</a:t>
             </a:fld>
             <a:endParaRPr lang="da-DK"/>
           </a:p>
@@ -3012,7 +3019,7 @@
           <a:p>
             <a:fld id="{DE62589F-EAE5-4EB7-95E2-1921253EBE7D}" type="datetimeFigureOut">
               <a:rPr lang="da-DK" smtClean="0"/>
-              <a:t>11-12-2024</a:t>
+              <a:t>12-12-2024</a:t>
             </a:fld>
             <a:endParaRPr lang="da-DK"/>
           </a:p>
@@ -3253,7 +3260,7 @@
           <a:p>
             <a:fld id="{DE62589F-EAE5-4EB7-95E2-1921253EBE7D}" type="datetimeFigureOut">
               <a:rPr lang="da-DK" smtClean="0"/>
-              <a:t>11-12-2024</a:t>
+              <a:t>12-12-2024</a:t>
             </a:fld>
             <a:endParaRPr lang="da-DK"/>
           </a:p>
@@ -17343,7 +17350,7 @@
         <p:spPr>
           <a:xfrm>
             <a:off x="1038698" y="1796137"/>
-            <a:ext cx="6156700" cy="1477328"/>
+            <a:ext cx="6156700" cy="1754326"/>
           </a:xfrm>
           <a:prstGeom prst="rect">
             <a:avLst/>
@@ -17381,6 +17388,14 @@
               </a:rPr>
               <a:t>Optimering af omkostningsstyring i 3D-printproduktion.</a:t>
             </a:r>
+          </a:p>
+          <a:p>
+            <a:pPr algn="l"/>
+            <a:endParaRPr lang="da-DK" dirty="0">
+              <a:solidFill>
+                <a:schemeClr val="bg2"/>
+              </a:solidFill>
+            </a:endParaRPr>
           </a:p>
           <a:p>
             <a:pPr algn="l"/>
